--- a/만신전_발표자료.pptx
+++ b/만신전_발표자료.pptx
@@ -10,6 +10,7 @@
     <p:sldId id="258" r:id="rId4"/>
     <p:sldId id="259" r:id="rId5"/>
     <p:sldId id="260" r:id="rId6"/>
+    <p:sldId id="261" r:id="rId7"/>
   </p:sldIdLst>
   <p:sldSz cx="12192000" cy="6858000"/>
   <p:notesSz cx="6858000" cy="9144000"/>
@@ -108,6 +109,11 @@
       </a:defRPr>
     </a:lvl9pPr>
   </p:defaultTextStyle>
+  <p:extLst>
+    <p:ext uri="{EFAFB233-063F-42B5-8137-9DF3F51BA10A}">
+      <p15:sldGuideLst xmlns:p15="http://schemas.microsoft.com/office/powerpoint/2012/main"/>
+    </p:ext>
+  </p:extLst>
 </p:presentation>
 </file>
 
@@ -8161,6 +8167,17 @@
               <a:t>.</a:t>
             </a:r>
           </a:p>
+          <a:p>
+            <a:r>
+              <a:rPr lang="ko-KR" altLang="en-US"/>
+              <a:t>할로우</a:t>
+            </a:r>
+            <a:r>
+              <a:rPr lang="ko-KR" altLang="en-US" dirty="0"/>
+              <a:t> 나이트의 보스들을 가져올 예정</a:t>
+            </a:r>
+            <a:endParaRPr lang="en-US" altLang="ko-KR" dirty="0"/>
+          </a:p>
         </p:txBody>
       </p:sp>
       <p:pic>
@@ -8185,8 +8202,8 @@
         </p:blipFill>
         <p:spPr>
           <a:xfrm>
-            <a:off x="2695575" y="2840388"/>
-            <a:ext cx="6800850" cy="3825478"/>
+            <a:off x="2774949" y="3270798"/>
+            <a:ext cx="5934075" cy="3337917"/>
           </a:xfrm>
           <a:prstGeom prst="rect">
             <a:avLst/>
@@ -8690,6 +8707,89 @@
     <p:extLst>
       <p:ext uri="{BB962C8B-B14F-4D97-AF65-F5344CB8AC3E}">
         <p14:creationId xmlns:p14="http://schemas.microsoft.com/office/powerpoint/2010/main" val="4135564876"/>
+      </p:ext>
+    </p:extLst>
+  </p:cSld>
+  <p:clrMapOvr>
+    <a:masterClrMapping/>
+  </p:clrMapOvr>
+</p:sld>
+</file>
+
+<file path=ppt/slides/slide6.xml><?xml version="1.0" encoding="utf-8"?>
+<p:sld xmlns:a="http://schemas.openxmlformats.org/drawingml/2006/main" xmlns:r="http://schemas.openxmlformats.org/officeDocument/2006/relationships" xmlns:p="http://schemas.openxmlformats.org/presentationml/2006/main">
+  <p:cSld>
+    <p:spTree>
+      <p:nvGrpSpPr>
+        <p:cNvPr id="1" name=""/>
+        <p:cNvGrpSpPr/>
+        <p:nvPr/>
+      </p:nvGrpSpPr>
+      <p:grpSpPr>
+        <a:xfrm>
+          <a:off x="0" y="0"/>
+          <a:ext cx="0" cy="0"/>
+          <a:chOff x="0" y="0"/>
+          <a:chExt cx="0" cy="0"/>
+        </a:xfrm>
+      </p:grpSpPr>
+      <p:sp>
+        <p:nvSpPr>
+          <p:cNvPr id="2" name="제목 1">
+            <a:extLst>
+              <a:ext uri="{FF2B5EF4-FFF2-40B4-BE49-F238E27FC236}">
+                <a16:creationId xmlns:a16="http://schemas.microsoft.com/office/drawing/2014/main" id="{2C15B021-BCA2-06F0-A74B-A31D1AE40F04}"/>
+              </a:ext>
+            </a:extLst>
+          </p:cNvPr>
+          <p:cNvSpPr>
+            <a:spLocks noGrp="1"/>
+          </p:cNvSpPr>
+          <p:nvPr>
+            <p:ph type="title"/>
+          </p:nvPr>
+        </p:nvSpPr>
+        <p:spPr/>
+        <p:txBody>
+          <a:bodyPr/>
+          <a:lstStyle/>
+          <a:p>
+            <a:r>
+              <a:rPr lang="ko-KR" altLang="en-US" dirty="0"/>
+              <a:t>상세 게임 기획서</a:t>
+            </a:r>
+          </a:p>
+        </p:txBody>
+      </p:sp>
+      <p:sp>
+        <p:nvSpPr>
+          <p:cNvPr id="3" name="내용 개체 틀 2">
+            <a:extLst>
+              <a:ext uri="{FF2B5EF4-FFF2-40B4-BE49-F238E27FC236}">
+                <a16:creationId xmlns:a16="http://schemas.microsoft.com/office/drawing/2014/main" id="{B7CA4C7F-878F-EFCC-02B9-B90DC1F4A218}"/>
+              </a:ext>
+            </a:extLst>
+          </p:cNvPr>
+          <p:cNvSpPr>
+            <a:spLocks noGrp="1"/>
+          </p:cNvSpPr>
+          <p:nvPr>
+            <p:ph idx="1"/>
+          </p:nvPr>
+        </p:nvSpPr>
+        <p:spPr/>
+        <p:txBody>
+          <a:bodyPr/>
+          <a:lstStyle/>
+          <a:p>
+            <a:endParaRPr lang="ko-KR" altLang="en-US" dirty="0"/>
+          </a:p>
+        </p:txBody>
+      </p:sp>
+    </p:spTree>
+    <p:extLst>
+      <p:ext uri="{BB962C8B-B14F-4D97-AF65-F5344CB8AC3E}">
+        <p14:creationId xmlns:p14="http://schemas.microsoft.com/office/powerpoint/2010/main" val="2698539239"/>
       </p:ext>
     </p:extLst>
   </p:cSld>

--- a/만신전_발표자료.pptx
+++ b/만신전_발표자료.pptx
@@ -11,6 +11,7 @@
     <p:sldId id="259" r:id="rId5"/>
     <p:sldId id="260" r:id="rId6"/>
     <p:sldId id="261" r:id="rId7"/>
+    <p:sldId id="262" r:id="rId8"/>
   </p:sldIdLst>
   <p:sldSz cx="12192000" cy="6858000"/>
   <p:notesSz cx="6858000" cy="9144000"/>
@@ -5197,7 +5198,7 @@
           <a:p>
             <a:fld id="{AA2E5297-2912-4714-9045-BFEBBCB7357F}" type="datetimeFigureOut">
               <a:rPr lang="ko-KR" altLang="en-US" smtClean="0"/>
-              <a:t>2025-09-29</a:t>
+              <a:t>2025-10-01</a:t>
             </a:fld>
             <a:endParaRPr lang="ko-KR" altLang="en-US"/>
           </a:p>
@@ -5367,7 +5368,7 @@
           <a:p>
             <a:fld id="{AA2E5297-2912-4714-9045-BFEBBCB7357F}" type="datetimeFigureOut">
               <a:rPr lang="ko-KR" altLang="en-US" smtClean="0"/>
-              <a:t>2025-09-29</a:t>
+              <a:t>2025-10-01</a:t>
             </a:fld>
             <a:endParaRPr lang="ko-KR" altLang="en-US"/>
           </a:p>
@@ -5547,7 +5548,7 @@
           <a:p>
             <a:fld id="{AA2E5297-2912-4714-9045-BFEBBCB7357F}" type="datetimeFigureOut">
               <a:rPr lang="ko-KR" altLang="en-US" smtClean="0"/>
-              <a:t>2025-09-29</a:t>
+              <a:t>2025-10-01</a:t>
             </a:fld>
             <a:endParaRPr lang="ko-KR" altLang="en-US"/>
           </a:p>
@@ -5717,7 +5718,7 @@
           <a:p>
             <a:fld id="{AA2E5297-2912-4714-9045-BFEBBCB7357F}" type="datetimeFigureOut">
               <a:rPr lang="ko-KR" altLang="en-US" smtClean="0"/>
-              <a:t>2025-09-29</a:t>
+              <a:t>2025-10-01</a:t>
             </a:fld>
             <a:endParaRPr lang="ko-KR" altLang="en-US"/>
           </a:p>
@@ -5963,7 +5964,7 @@
           <a:p>
             <a:fld id="{AA2E5297-2912-4714-9045-BFEBBCB7357F}" type="datetimeFigureOut">
               <a:rPr lang="ko-KR" altLang="en-US" smtClean="0"/>
-              <a:t>2025-09-29</a:t>
+              <a:t>2025-10-01</a:t>
             </a:fld>
             <a:endParaRPr lang="ko-KR" altLang="en-US"/>
           </a:p>
@@ -6195,7 +6196,7 @@
           <a:p>
             <a:fld id="{AA2E5297-2912-4714-9045-BFEBBCB7357F}" type="datetimeFigureOut">
               <a:rPr lang="ko-KR" altLang="en-US" smtClean="0"/>
-              <a:t>2025-09-29</a:t>
+              <a:t>2025-10-01</a:t>
             </a:fld>
             <a:endParaRPr lang="ko-KR" altLang="en-US"/>
           </a:p>
@@ -6562,7 +6563,7 @@
           <a:p>
             <a:fld id="{AA2E5297-2912-4714-9045-BFEBBCB7357F}" type="datetimeFigureOut">
               <a:rPr lang="ko-KR" altLang="en-US" smtClean="0"/>
-              <a:t>2025-09-29</a:t>
+              <a:t>2025-10-01</a:t>
             </a:fld>
             <a:endParaRPr lang="ko-KR" altLang="en-US"/>
           </a:p>
@@ -6680,7 +6681,7 @@
           <a:p>
             <a:fld id="{AA2E5297-2912-4714-9045-BFEBBCB7357F}" type="datetimeFigureOut">
               <a:rPr lang="ko-KR" altLang="en-US" smtClean="0"/>
-              <a:t>2025-09-29</a:t>
+              <a:t>2025-10-01</a:t>
             </a:fld>
             <a:endParaRPr lang="ko-KR" altLang="en-US"/>
           </a:p>
@@ -6775,7 +6776,7 @@
           <a:p>
             <a:fld id="{AA2E5297-2912-4714-9045-BFEBBCB7357F}" type="datetimeFigureOut">
               <a:rPr lang="ko-KR" altLang="en-US" smtClean="0"/>
-              <a:t>2025-09-29</a:t>
+              <a:t>2025-10-01</a:t>
             </a:fld>
             <a:endParaRPr lang="ko-KR" altLang="en-US"/>
           </a:p>
@@ -7052,7 +7053,7 @@
           <a:p>
             <a:fld id="{AA2E5297-2912-4714-9045-BFEBBCB7357F}" type="datetimeFigureOut">
               <a:rPr lang="ko-KR" altLang="en-US" smtClean="0"/>
-              <a:t>2025-09-29</a:t>
+              <a:t>2025-10-01</a:t>
             </a:fld>
             <a:endParaRPr lang="ko-KR" altLang="en-US"/>
           </a:p>
@@ -7309,7 +7310,7 @@
           <a:p>
             <a:fld id="{AA2E5297-2912-4714-9045-BFEBBCB7357F}" type="datetimeFigureOut">
               <a:rPr lang="ko-KR" altLang="en-US" smtClean="0"/>
-              <a:t>2025-09-29</a:t>
+              <a:t>2025-10-01</a:t>
             </a:fld>
             <a:endParaRPr lang="ko-KR" altLang="en-US"/>
           </a:p>
@@ -7522,7 +7523,7 @@
           <a:p>
             <a:fld id="{AA2E5297-2912-4714-9045-BFEBBCB7357F}" type="datetimeFigureOut">
               <a:rPr lang="ko-KR" altLang="en-US" smtClean="0"/>
-              <a:t>2025-09-29</a:t>
+              <a:t>2025-10-01</a:t>
             </a:fld>
             <a:endParaRPr lang="ko-KR" altLang="en-US"/>
           </a:p>
@@ -8152,31 +8153,17 @@
           <a:lstStyle/>
           <a:p>
             <a:r>
+              <a:rPr lang="ko-KR" altLang="en-US" dirty="0" err="1"/>
+              <a:t>할로우</a:t>
+            </a:r>
+            <a:r>
               <a:rPr lang="ko-KR" altLang="en-US" dirty="0"/>
-              <a:t>보스 전투를 계속 이어가는 전투 위주의 게임</a:t>
-            </a:r>
-            <a:endParaRPr lang="en-US" altLang="ko-KR" dirty="0"/>
-          </a:p>
-          <a:p>
-            <a:r>
-              <a:rPr lang="ko-KR" altLang="en-US" dirty="0"/>
-              <a:t>보스를 클리어하면 보상이 주어진다</a:t>
+              <a:t> 나이트의 만신전처럼 보스전이 계속 이어지는 형식의 게임이다</a:t>
             </a:r>
             <a:r>
               <a:rPr lang="en-US" altLang="ko-KR" dirty="0"/>
               <a:t>.</a:t>
             </a:r>
-          </a:p>
-          <a:p>
-            <a:r>
-              <a:rPr lang="ko-KR" altLang="en-US"/>
-              <a:t>할로우</a:t>
-            </a:r>
-            <a:r>
-              <a:rPr lang="ko-KR" altLang="en-US" dirty="0"/>
-              <a:t> 나이트의 보스들을 가져올 예정</a:t>
-            </a:r>
-            <a:endParaRPr lang="en-US" altLang="ko-KR" dirty="0"/>
           </a:p>
         </p:txBody>
       </p:sp>
@@ -8202,8 +8189,8 @@
         </p:blipFill>
         <p:spPr>
           <a:xfrm>
-            <a:off x="2774949" y="3270798"/>
-            <a:ext cx="5934075" cy="3337917"/>
+            <a:off x="2755942" y="2844800"/>
+            <a:ext cx="6680116" cy="3757565"/>
           </a:xfrm>
           <a:prstGeom prst="rect">
             <a:avLst/>
@@ -8782,7 +8769,62 @@
           <a:bodyPr/>
           <a:lstStyle/>
           <a:p>
-            <a:endParaRPr lang="ko-KR" altLang="en-US" dirty="0"/>
+            <a:r>
+              <a:rPr lang="ko-KR" altLang="en-US" dirty="0"/>
+              <a:t>보스들은 대부분 </a:t>
+            </a:r>
+            <a:r>
+              <a:rPr lang="ko-KR" altLang="en-US" dirty="0" err="1"/>
+              <a:t>할로우</a:t>
+            </a:r>
+            <a:r>
+              <a:rPr lang="ko-KR" altLang="en-US" dirty="0"/>
+              <a:t> 나이트에서 가져올 예정</a:t>
+            </a:r>
+            <a:endParaRPr lang="en-US" altLang="ko-KR" dirty="0"/>
+          </a:p>
+          <a:p>
+            <a:r>
+              <a:rPr lang="ko-KR" altLang="en-US" dirty="0"/>
+              <a:t>보스를 대략 </a:t>
+            </a:r>
+            <a:r>
+              <a:rPr lang="en-US" altLang="ko-KR" dirty="0"/>
+              <a:t>4</a:t>
+            </a:r>
+            <a:r>
+              <a:rPr lang="ko-KR" altLang="en-US" dirty="0"/>
+              <a:t>개 정도 구현할 예정이고 시간이 허락한다면 </a:t>
+            </a:r>
+            <a:r>
+              <a:rPr lang="en-US" altLang="ko-KR" dirty="0"/>
+              <a:t>2</a:t>
+            </a:r>
+            <a:r>
+              <a:rPr lang="ko-KR" altLang="en-US" dirty="0"/>
+              <a:t>개 더 구현할 예정</a:t>
+            </a:r>
+            <a:endParaRPr lang="en-US" altLang="ko-KR" dirty="0"/>
+          </a:p>
+          <a:p>
+            <a:r>
+              <a:rPr lang="ko-KR" altLang="en-US" dirty="0"/>
+              <a:t>가져올 보스들은 찾은 사이트에서 가져올 예정이다</a:t>
+            </a:r>
+            <a:r>
+              <a:rPr lang="en-US" altLang="ko-KR" dirty="0"/>
+              <a:t>.</a:t>
+            </a:r>
+          </a:p>
+          <a:p>
+            <a:r>
+              <a:rPr lang="ko-KR" altLang="en-US" dirty="0"/>
+              <a:t>찾은 사이트</a:t>
+            </a:r>
+            <a:r>
+              <a:rPr lang="en-US" altLang="ko-KR" dirty="0"/>
+              <a:t> : https://www.spriters-resource.com/pc_computer/hollowknight/</a:t>
+            </a:r>
           </a:p>
         </p:txBody>
       </p:sp>
@@ -8790,6 +8832,100 @@
     <p:extLst>
       <p:ext uri="{BB962C8B-B14F-4D97-AF65-F5344CB8AC3E}">
         <p14:creationId xmlns:p14="http://schemas.microsoft.com/office/powerpoint/2010/main" val="2698539239"/>
+      </p:ext>
+    </p:extLst>
+  </p:cSld>
+  <p:clrMapOvr>
+    <a:masterClrMapping/>
+  </p:clrMapOvr>
+</p:sld>
+</file>
+
+<file path=ppt/slides/slide7.xml><?xml version="1.0" encoding="utf-8"?>
+<p:sld xmlns:a="http://schemas.openxmlformats.org/drawingml/2006/main" xmlns:r="http://schemas.openxmlformats.org/officeDocument/2006/relationships" xmlns:p="http://schemas.openxmlformats.org/presentationml/2006/main">
+  <p:cSld>
+    <p:spTree>
+      <p:nvGrpSpPr>
+        <p:cNvPr id="1" name=""/>
+        <p:cNvGrpSpPr/>
+        <p:nvPr/>
+      </p:nvGrpSpPr>
+      <p:grpSpPr>
+        <a:xfrm>
+          <a:off x="0" y="0"/>
+          <a:ext cx="0" cy="0"/>
+          <a:chOff x="0" y="0"/>
+          <a:chExt cx="0" cy="0"/>
+        </a:xfrm>
+      </p:grpSpPr>
+      <p:sp>
+        <p:nvSpPr>
+          <p:cNvPr id="2" name="제목 1">
+            <a:extLst>
+              <a:ext uri="{FF2B5EF4-FFF2-40B4-BE49-F238E27FC236}">
+                <a16:creationId xmlns:a16="http://schemas.microsoft.com/office/drawing/2014/main" id="{0CFE9419-55D1-3A26-7464-D5BE2E3B1396}"/>
+              </a:ext>
+            </a:extLst>
+          </p:cNvPr>
+          <p:cNvSpPr>
+            <a:spLocks noGrp="1"/>
+          </p:cNvSpPr>
+          <p:nvPr>
+            <p:ph type="title"/>
+          </p:nvPr>
+        </p:nvSpPr>
+        <p:spPr/>
+        <p:txBody>
+          <a:bodyPr/>
+          <a:lstStyle/>
+          <a:p>
+            <a:r>
+              <a:rPr lang="ko-KR" altLang="en-US" dirty="0"/>
+              <a:t>상세 게임 기획서</a:t>
+            </a:r>
+          </a:p>
+        </p:txBody>
+      </p:sp>
+      <p:sp>
+        <p:nvSpPr>
+          <p:cNvPr id="3" name="내용 개체 틀 2">
+            <a:extLst>
+              <a:ext uri="{FF2B5EF4-FFF2-40B4-BE49-F238E27FC236}">
+                <a16:creationId xmlns:a16="http://schemas.microsoft.com/office/drawing/2014/main" id="{4E260FB1-61B3-DB3E-009F-032E381395C3}"/>
+              </a:ext>
+            </a:extLst>
+          </p:cNvPr>
+          <p:cNvSpPr>
+            <a:spLocks noGrp="1"/>
+          </p:cNvSpPr>
+          <p:nvPr>
+            <p:ph idx="1"/>
+          </p:nvPr>
+        </p:nvSpPr>
+        <p:spPr/>
+        <p:txBody>
+          <a:bodyPr/>
+          <a:lstStyle/>
+          <a:p>
+            <a:r>
+              <a:rPr lang="ko-KR" altLang="en-US" dirty="0"/>
+              <a:t>보스 클리어한 후 보상으로 추가 체력</a:t>
+            </a:r>
+            <a:r>
+              <a:rPr lang="en-US" altLang="ko-KR" dirty="0"/>
+              <a:t>, </a:t>
+            </a:r>
+            <a:r>
+              <a:rPr lang="ko-KR" altLang="en-US" dirty="0"/>
+              <a:t>공격력 증가를 제공할 예정임</a:t>
+            </a:r>
+          </a:p>
+        </p:txBody>
+      </p:sp>
+    </p:spTree>
+    <p:extLst>
+      <p:ext uri="{BB962C8B-B14F-4D97-AF65-F5344CB8AC3E}">
+        <p14:creationId xmlns:p14="http://schemas.microsoft.com/office/powerpoint/2010/main" val="2306767954"/>
       </p:ext>
     </p:extLst>
   </p:cSld>

--- a/만신전_발표자료.pptx
+++ b/만신전_발표자료.pptx
@@ -8823,8 +8823,15 @@
             </a:r>
             <a:r>
               <a:rPr lang="en-US" altLang="ko-KR" dirty="0"/>
-              <a:t> : https://www.spriters-resource.com/pc_computer/hollowknight/</a:t>
-            </a:r>
+              <a:t> : </a:t>
+            </a:r>
+            <a:r>
+              <a:rPr lang="en-US" altLang="ko-KR" dirty="0">
+                <a:hlinkClick r:id="rId2"/>
+              </a:rPr>
+              <a:t>https://www.spriters-resource.com/pc_computer/hollowknight/</a:t>
+            </a:r>
+            <a:endParaRPr lang="en-US" altLang="ko-KR" dirty="0"/>
           </a:p>
         </p:txBody>
       </p:sp>
